--- a/wy/项目答辩v2.2.pptx
+++ b/wy/项目答辩v2.2.pptx
@@ -1589,8 +1589,8 @@
     <dgm:cxn modelId="{F00FFD62-6603-47DC-BFED-059C08E4EDF4}" srcId="{FF0E0466-7B8F-4FF4-9546-C5C5EEE85065}" destId="{AFD83037-75DB-4436-A074-527DD3472BA2}" srcOrd="0" destOrd="0" parTransId="{53E6DA76-D9CC-463E-A441-E651FD297030}" sibTransId="{FE0CE14F-1FD8-44E9-A9BD-BDB8CD6B12C7}"/>
     <dgm:cxn modelId="{576392D8-0200-4CCA-BEE5-20F3F989B4A4}" type="presOf" srcId="{D0FB88A3-84CB-423C-BFF2-67C6C624DBDE}" destId="{60C50808-957F-4042-9F0B-22EDD497CAC1}" srcOrd="0" destOrd="0" presId="urn:microsoft.com/office/officeart/2005/8/layout/chevron2"/>
     <dgm:cxn modelId="{FB8C08E5-F76F-4528-8959-D0700C218EE9}" srcId="{EE7627DD-8A06-4487-BE84-FFA6B26DE20B}" destId="{FF0E0466-7B8F-4FF4-9546-C5C5EEE85065}" srcOrd="1" destOrd="0" parTransId="{942B3839-263A-488C-B6EC-70D33347048F}" sibTransId="{F2F99306-1539-4144-AF2B-C25C44DCD041}"/>
+    <dgm:cxn modelId="{96D19BDA-1057-4F92-80AD-701280579140}" type="presOf" srcId="{FF0E0466-7B8F-4FF4-9546-C5C5EEE85065}" destId="{18B25C0F-3388-4850-BF11-50D2FF652075}" srcOrd="0" destOrd="0" presId="urn:microsoft.com/office/officeart/2005/8/layout/chevron2"/>
     <dgm:cxn modelId="{DFE27B9A-59F6-4627-9649-3F2C4E5E13F4}" srcId="{FF0E0466-7B8F-4FF4-9546-C5C5EEE85065}" destId="{9C5EAE83-38B8-49D1-8696-093C404D4C93}" srcOrd="1" destOrd="0" parTransId="{3C8B5F1E-45A9-4F52-8B56-FA35A0210D61}" sibTransId="{37F1C116-0697-4107-A27C-8EFA477B27E2}"/>
-    <dgm:cxn modelId="{96D19BDA-1057-4F92-80AD-701280579140}" type="presOf" srcId="{FF0E0466-7B8F-4FF4-9546-C5C5EEE85065}" destId="{18B25C0F-3388-4850-BF11-50D2FF652075}" srcOrd="0" destOrd="0" presId="urn:microsoft.com/office/officeart/2005/8/layout/chevron2"/>
     <dgm:cxn modelId="{186CAFAB-8DF0-4BBD-BBB3-8D40C48A71E6}" type="presOf" srcId="{45539330-1AED-4BBF-A9F1-560EFEE9FA7E}" destId="{547FEB44-5FF5-4DE1-8F56-435B26BC7AF4}" srcOrd="0" destOrd="0" presId="urn:microsoft.com/office/officeart/2005/8/layout/chevron2"/>
     <dgm:cxn modelId="{16294DE6-5B19-4E8B-9DFF-82EF4D3C71CA}" srcId="{E29E766C-76DF-4382-B112-E376818B9A21}" destId="{73C798E1-F813-42C4-8084-94A537C1724D}" srcOrd="0" destOrd="0" parTransId="{AE2E2C5A-1B61-40A2-A2E5-E5400597FC2E}" sibTransId="{1F24EDB6-5BDA-4CD9-982E-BBEA268A707A}"/>
     <dgm:cxn modelId="{D6EF000A-B5CB-4531-A0B9-4B90BC8FF896}" type="presOf" srcId="{73C798E1-F813-42C4-8084-94A537C1724D}" destId="{0F998F32-D575-4177-ACD8-6D73017CFF68}" srcOrd="0" destOrd="0" presId="urn:microsoft.com/office/officeart/2005/8/layout/chevron2"/>
@@ -3562,7 +3562,7 @@
           <a:p>
             <a:fld id="{373416DD-A992-4DC6-A12D-2E33FEC7D122}" type="datetimeFigureOut">
               <a:rPr lang="zh-CN" altLang="en-US" smtClean="0"/>
-              <a:t>2017/4/6</a:t>
+              <a:t>2018/5/27</a:t>
             </a:fld>
             <a:endParaRPr lang="zh-CN" altLang="en-US"/>
           </a:p>
@@ -3995,6 +3995,90 @@
 </p:notes>
 </file>
 
+<file path=ppt/notesSlides/notesSlide11.xml><?xml version="1.0" encoding="utf-8"?>
+<p:notes xmlns:a="http://schemas.openxmlformats.org/drawingml/2006/main" xmlns:r="http://schemas.openxmlformats.org/officeDocument/2006/relationships" xmlns:p="http://schemas.openxmlformats.org/presentationml/2006/main">
+  <p:cSld>
+    <p:spTree>
+      <p:nvGrpSpPr>
+        <p:cNvPr id="1" name=""/>
+        <p:cNvGrpSpPr/>
+        <p:nvPr/>
+      </p:nvGrpSpPr>
+      <p:grpSpPr>
+        <a:xfrm>
+          <a:off x="0" y="0"/>
+          <a:ext cx="0" cy="0"/>
+          <a:chOff x="0" y="0"/>
+          <a:chExt cx="0" cy="0"/>
+        </a:xfrm>
+      </p:grpSpPr>
+      <p:sp>
+        <p:nvSpPr>
+          <p:cNvPr id="2" name="幻灯片图像占位符 1"/>
+          <p:cNvSpPr>
+            <a:spLocks noGrp="1" noRot="1" noChangeAspect="1"/>
+          </p:cNvSpPr>
+          <p:nvPr>
+            <p:ph type="sldImg"/>
+          </p:nvPr>
+        </p:nvSpPr>
+        <p:spPr/>
+      </p:sp>
+      <p:sp>
+        <p:nvSpPr>
+          <p:cNvPr id="3" name="备注占位符 2"/>
+          <p:cNvSpPr>
+            <a:spLocks noGrp="1"/>
+          </p:cNvSpPr>
+          <p:nvPr>
+            <p:ph type="body" idx="1"/>
+          </p:nvPr>
+        </p:nvSpPr>
+        <p:spPr/>
+        <p:txBody>
+          <a:bodyPr/>
+          <a:lstStyle/>
+          <a:p>
+            <a:endParaRPr lang="zh-CN" altLang="en-US" dirty="0"/>
+          </a:p>
+        </p:txBody>
+      </p:sp>
+      <p:sp>
+        <p:nvSpPr>
+          <p:cNvPr id="4" name="灯片编号占位符 3"/>
+          <p:cNvSpPr>
+            <a:spLocks noGrp="1"/>
+          </p:cNvSpPr>
+          <p:nvPr>
+            <p:ph type="sldNum" sz="quarter" idx="10"/>
+          </p:nvPr>
+        </p:nvSpPr>
+        <p:spPr/>
+        <p:txBody>
+          <a:bodyPr/>
+          <a:lstStyle/>
+          <a:p>
+            <a:fld id="{8374A5B2-22D9-48E6-ACF0-80DD93E3786B}" type="slidenum">
+              <a:rPr lang="zh-CN" altLang="en-US" smtClean="0"/>
+              <a:t>22</a:t>
+            </a:fld>
+            <a:endParaRPr lang="zh-CN" altLang="en-US"/>
+          </a:p>
+        </p:txBody>
+      </p:sp>
+    </p:spTree>
+    <p:extLst>
+      <p:ext uri="{BB962C8B-B14F-4D97-AF65-F5344CB8AC3E}">
+        <p14:creationId xmlns:p14="http://schemas.microsoft.com/office/powerpoint/2010/main" val="901947347"/>
+      </p:ext>
+    </p:extLst>
+  </p:cSld>
+  <p:clrMapOvr>
+    <a:masterClrMapping/>
+  </p:clrMapOvr>
+</p:notes>
+</file>
+
 <file path=ppt/notesSlides/notesSlide2.xml><?xml version="1.0" encoding="utf-8"?>
 <p:notes xmlns:a="http://schemas.openxmlformats.org/drawingml/2006/main" xmlns:r="http://schemas.openxmlformats.org/officeDocument/2006/relationships" xmlns:p="http://schemas.openxmlformats.org/presentationml/2006/main">
   <p:cSld>
@@ -5243,7 +5327,7 @@
           <a:p>
             <a:fld id="{FCD7B85A-26A2-4658-865D-65102083DBD0}" type="datetimeFigureOut">
               <a:rPr lang="zh-CN" altLang="en-US" smtClean="0"/>
-              <a:t>2017/4/6</a:t>
+              <a:t>2018/5/27</a:t>
             </a:fld>
             <a:endParaRPr lang="zh-CN" altLang="en-US"/>
           </a:p>
@@ -5414,7 +5498,7 @@
           <a:p>
             <a:fld id="{FCD7B85A-26A2-4658-865D-65102083DBD0}" type="datetimeFigureOut">
               <a:rPr lang="zh-CN" altLang="en-US" smtClean="0"/>
-              <a:t>2017/4/6</a:t>
+              <a:t>2018/5/27</a:t>
             </a:fld>
             <a:endParaRPr lang="zh-CN" altLang="en-US"/>
           </a:p>
@@ -5595,7 +5679,7 @@
           <a:p>
             <a:fld id="{FCD7B85A-26A2-4658-865D-65102083DBD0}" type="datetimeFigureOut">
               <a:rPr lang="zh-CN" altLang="en-US" smtClean="0"/>
-              <a:t>2017/4/6</a:t>
+              <a:t>2018/5/27</a:t>
             </a:fld>
             <a:endParaRPr lang="zh-CN" altLang="en-US"/>
           </a:p>
@@ -6590,7 +6674,7 @@
           <a:p>
             <a:fld id="{FCD7B85A-26A2-4658-865D-65102083DBD0}" type="datetimeFigureOut">
               <a:rPr lang="zh-CN" altLang="en-US" smtClean="0"/>
-              <a:t>2017/4/6</a:t>
+              <a:t>2018/5/27</a:t>
             </a:fld>
             <a:endParaRPr lang="zh-CN" altLang="en-US"/>
           </a:p>
@@ -6838,7 +6922,7 @@
           <a:p>
             <a:fld id="{FCD7B85A-26A2-4658-865D-65102083DBD0}" type="datetimeFigureOut">
               <a:rPr lang="zh-CN" altLang="en-US" smtClean="0"/>
-              <a:t>2017/4/6</a:t>
+              <a:t>2018/5/27</a:t>
             </a:fld>
             <a:endParaRPr lang="zh-CN" altLang="en-US"/>
           </a:p>
@@ -7070,7 +7154,7 @@
           <a:p>
             <a:fld id="{FCD7B85A-26A2-4658-865D-65102083DBD0}" type="datetimeFigureOut">
               <a:rPr lang="zh-CN" altLang="en-US" smtClean="0"/>
-              <a:t>2017/4/6</a:t>
+              <a:t>2018/5/27</a:t>
             </a:fld>
             <a:endParaRPr lang="zh-CN" altLang="en-US"/>
           </a:p>
@@ -7437,7 +7521,7 @@
           <a:p>
             <a:fld id="{FCD7B85A-26A2-4658-865D-65102083DBD0}" type="datetimeFigureOut">
               <a:rPr lang="zh-CN" altLang="en-US" smtClean="0"/>
-              <a:t>2017/4/6</a:t>
+              <a:t>2018/5/27</a:t>
             </a:fld>
             <a:endParaRPr lang="zh-CN" altLang="en-US"/>
           </a:p>
@@ -7557,7 +7641,7 @@
           <a:p>
             <a:fld id="{FCD7B85A-26A2-4658-865D-65102083DBD0}" type="datetimeFigureOut">
               <a:rPr lang="zh-CN" altLang="en-US" smtClean="0"/>
-              <a:t>2017/4/6</a:t>
+              <a:t>2018/5/27</a:t>
             </a:fld>
             <a:endParaRPr lang="zh-CN" altLang="en-US"/>
           </a:p>
@@ -7655,7 +7739,7 @@
           <a:p>
             <a:fld id="{FCD7B85A-26A2-4658-865D-65102083DBD0}" type="datetimeFigureOut">
               <a:rPr lang="zh-CN" altLang="en-US" smtClean="0"/>
-              <a:t>2017/4/6</a:t>
+              <a:t>2018/5/27</a:t>
             </a:fld>
             <a:endParaRPr lang="zh-CN" altLang="en-US"/>
           </a:p>
@@ -7933,7 +8017,7 @@
           <a:p>
             <a:fld id="{FCD7B85A-26A2-4658-865D-65102083DBD0}" type="datetimeFigureOut">
               <a:rPr lang="zh-CN" altLang="en-US" smtClean="0"/>
-              <a:t>2017/4/6</a:t>
+              <a:t>2018/5/27</a:t>
             </a:fld>
             <a:endParaRPr lang="zh-CN" altLang="en-US"/>
           </a:p>
@@ -8188,7 +8272,7 @@
           <a:p>
             <a:fld id="{FCD7B85A-26A2-4658-865D-65102083DBD0}" type="datetimeFigureOut">
               <a:rPr lang="zh-CN" altLang="en-US" smtClean="0"/>
-              <a:t>2017/4/6</a:t>
+              <a:t>2018/5/27</a:t>
             </a:fld>
             <a:endParaRPr lang="zh-CN" altLang="en-US"/>
           </a:p>
@@ -8402,7 +8486,7 @@
           <a:p>
             <a:fld id="{FCD7B85A-26A2-4658-865D-65102083DBD0}" type="datetimeFigureOut">
               <a:rPr lang="zh-CN" altLang="en-US" smtClean="0"/>
-              <a:t>2017/4/6</a:t>
+              <a:t>2018/5/27</a:t>
             </a:fld>
             <a:endParaRPr lang="zh-CN" altLang="en-US"/>
           </a:p>
@@ -9025,11 +9109,6 @@
               </a:rPr>
               <a:t>建立</a:t>
             </a:r>
-            <a:endParaRPr lang="zh-CN" altLang="en-US" dirty="0">
-              <a:solidFill>
-                <a:srgbClr val="7EB559"/>
-              </a:solidFill>
-            </a:endParaRPr>
           </a:p>
         </p:txBody>
       </p:sp>
@@ -9335,11 +9414,6 @@
               </a:rPr>
               <a:t>建立</a:t>
             </a:r>
-            <a:endParaRPr lang="zh-CN" altLang="en-US" dirty="0">
-              <a:solidFill>
-                <a:srgbClr val="7EB559"/>
-              </a:solidFill>
-            </a:endParaRPr>
           </a:p>
         </p:txBody>
       </p:sp>
@@ -9441,11 +9515,6 @@
               </a:rPr>
               <a:t>优化</a:t>
             </a:r>
-            <a:endParaRPr lang="zh-CN" altLang="en-US" dirty="0">
-              <a:solidFill>
-                <a:srgbClr val="7EB559"/>
-              </a:solidFill>
-            </a:endParaRPr>
           </a:p>
         </p:txBody>
       </p:sp>
@@ -14252,11 +14321,6 @@
               </a:rPr>
               <a:t>广告投放商人物画像与相互推荐模型</a:t>
             </a:r>
-            <a:endParaRPr lang="zh-CN" altLang="en-US" sz="1600" dirty="0">
-              <a:solidFill>
-                <a:srgbClr val="7EB559"/>
-              </a:solidFill>
-            </a:endParaRPr>
           </a:p>
         </p:txBody>
       </p:sp>
@@ -14853,7 +14917,31 @@
               <a:rPr lang="zh-CN" altLang="en-US" sz="2400" dirty="0">
                 <a:latin typeface="+mn-ea"/>
               </a:rPr>
-              <a:t>我们已经与武汉市</a:t>
+              <a:t>我们已经与</a:t>
+            </a:r>
+            <a:r>
+              <a:rPr lang="zh-CN" altLang="en-US" sz="2400" dirty="0" smtClean="0">
+                <a:latin typeface="+mn-ea"/>
+              </a:rPr>
+              <a:t>武 </a:t>
+            </a:r>
+            <a:r>
+              <a:rPr lang="en-US" altLang="zh-CN" sz="2400" dirty="0" smtClean="0">
+                <a:latin typeface="+mn-ea"/>
+              </a:rPr>
+              <a:t>0</a:t>
+            </a:r>
+            <a:r>
+              <a:rPr lang="zh-CN" altLang="en-US" sz="2400" dirty="0" smtClean="0">
+                <a:latin typeface="+mn-ea"/>
+              </a:rPr>
+              <a:t>、汉</a:t>
+            </a:r>
+            <a:r>
+              <a:rPr lang="zh-CN" altLang="en-US" sz="2400" dirty="0">
+                <a:latin typeface="+mn-ea"/>
+              </a:rPr>
+              <a:t>市</a:t>
             </a:r>
             <a:r>
               <a:rPr lang="en-US" altLang="zh-CN" sz="2400" dirty="0">
@@ -14897,9 +14985,6 @@
               </a:rPr>
               <a:t>完成了对国内排名前五的房产网站的数据爬取。</a:t>
             </a:r>
-            <a:endParaRPr lang="zh-CN" altLang="en-US" sz="2400" dirty="0">
-              <a:latin typeface="+mn-ea"/>
-            </a:endParaRPr>
           </a:p>
         </p:txBody>
       </p:sp>
@@ -16723,14 +16808,7 @@
                 <a:latin typeface="微软雅黑" panose="020B0503020204020204" pitchFamily="34" charset="-122"/>
                 <a:ea typeface="微软雅黑" panose="020B0503020204020204" pitchFamily="34" charset="-122"/>
               </a:rPr>
-              <a:t>还存在</a:t>
-            </a:r>
-            <a:r>
-              <a:rPr lang="zh-CN" altLang="en-US" sz="3600" dirty="0" smtClean="0">
-                <a:latin typeface="微软雅黑" panose="020B0503020204020204" pitchFamily="34" charset="-122"/>
-                <a:ea typeface="微软雅黑" panose="020B0503020204020204" pitchFamily="34" charset="-122"/>
-              </a:rPr>
-              <a:t>的</a:t>
+              <a:t>还存在的</a:t>
             </a:r>
             <a:r>
               <a:rPr lang="zh-CN" altLang="zh-CN" sz="3600" dirty="0">
@@ -16932,11 +17010,6 @@
               </a:rPr>
               <a:t>简介</a:t>
             </a:r>
-            <a:endParaRPr kumimoji="1" lang="zh-CN" altLang="en-US" dirty="0">
-              <a:solidFill>
-                <a:srgbClr val="7EB559"/>
-              </a:solidFill>
-            </a:endParaRPr>
           </a:p>
         </p:txBody>
       </p:sp>
@@ -17383,11 +17456,6 @@
               </a:rPr>
               <a:t>建立</a:t>
             </a:r>
-            <a:endParaRPr lang="zh-CN" altLang="en-US" dirty="0">
-              <a:solidFill>
-                <a:srgbClr val="7EB559"/>
-              </a:solidFill>
-            </a:endParaRPr>
           </a:p>
         </p:txBody>
       </p:sp>
@@ -20305,11 +20373,6 @@
               </a:rPr>
               <a:t>建立</a:t>
             </a:r>
-            <a:endParaRPr lang="zh-CN" altLang="en-US" dirty="0">
-              <a:solidFill>
-                <a:srgbClr val="7EB559"/>
-              </a:solidFill>
-            </a:endParaRPr>
           </a:p>
         </p:txBody>
       </p:sp>
@@ -21921,7 +21984,7 @@
         <a:sysClr val="windowText" lastClr="000000"/>
       </a:dk1>
       <a:lt1>
-        <a:sysClr val="window" lastClr="FFFFFF"/>
+        <a:sysClr val="window" lastClr="CCE8CF"/>
       </a:lt1>
       <a:dk2>
         <a:srgbClr val="44546A"/>
@@ -22122,7 +22185,7 @@
         <a:sysClr val="windowText" lastClr="000000"/>
       </a:dk1>
       <a:lt1>
-        <a:sysClr val="window" lastClr="FFFFFF"/>
+        <a:sysClr val="window" lastClr="CCE8CF"/>
       </a:lt1>
       <a:dk2>
         <a:srgbClr val="44546A"/>
